--- a/Presentation1.pptx
+++ b/Presentation1.pptx
@@ -110,6 +110,22 @@
       </a:defRPr>
     </a:lvl9pPr>
   </p:defaultTextStyle>
+  <p:extLst>
+    <p:ext uri="{EFAFB233-063F-42B5-8137-9DF3F51BA10A}">
+      <p15:sldGuideLst xmlns:p15="http://schemas.microsoft.com/office/powerpoint/2012/main">
+        <p15:guide id="1" orient="horz" pos="2160">
+          <p15:clr>
+            <a:srgbClr val="A4A3A4"/>
+          </p15:clr>
+        </p15:guide>
+        <p15:guide id="2" pos="2880">
+          <p15:clr>
+            <a:srgbClr val="A4A3A4"/>
+          </p15:clr>
+        </p15:guide>
+      </p15:sldGuideLst>
+    </p:ext>
+  </p:extLst>
 </p:presentation>
 </file>
 
@@ -195,7 +211,7 @@
           <a:p>
             <a:fld id="{DEC486A4-B424-A34B-B151-AB10EC3EB905}" type="datetimeFigureOut">
               <a:rPr lang="en-US" smtClean="0"/>
-              <a:t>8/20/14</a:t>
+              <a:t>8/25/2014</a:t>
             </a:fld>
             <a:endParaRPr lang="en-US"/>
           </a:p>
@@ -728,7 +744,7 @@
           <a:p>
             <a:fld id="{6BFECD78-3C8E-49F2-8FAB-59489D168ABB}" type="datetimeFigureOut">
               <a:rPr lang="en-US" smtClean="0"/>
-              <a:t>8/20/14</a:t>
+              <a:t>8/25/2014</a:t>
             </a:fld>
             <a:endParaRPr lang="en-US"/>
           </a:p>
@@ -898,7 +914,7 @@
           <a:p>
             <a:fld id="{6BFECD78-3C8E-49F2-8FAB-59489D168ABB}" type="datetimeFigureOut">
               <a:rPr lang="en-US" smtClean="0"/>
-              <a:t>8/20/14</a:t>
+              <a:t>8/25/2014</a:t>
             </a:fld>
             <a:endParaRPr lang="en-US"/>
           </a:p>
@@ -1078,7 +1094,7 @@
           <a:p>
             <a:fld id="{6BFECD78-3C8E-49F2-8FAB-59489D168ABB}" type="datetimeFigureOut">
               <a:rPr lang="en-US" smtClean="0"/>
-              <a:t>8/20/14</a:t>
+              <a:t>8/25/2014</a:t>
             </a:fld>
             <a:endParaRPr lang="en-US"/>
           </a:p>
@@ -1248,7 +1264,7 @@
           <a:p>
             <a:fld id="{6BFECD78-3C8E-49F2-8FAB-59489D168ABB}" type="datetimeFigureOut">
               <a:rPr lang="en-US" smtClean="0"/>
-              <a:t>8/20/14</a:t>
+              <a:t>8/25/2014</a:t>
             </a:fld>
             <a:endParaRPr lang="en-US"/>
           </a:p>
@@ -1494,7 +1510,7 @@
           <a:p>
             <a:fld id="{6BFECD78-3C8E-49F2-8FAB-59489D168ABB}" type="datetimeFigureOut">
               <a:rPr lang="en-US" smtClean="0"/>
-              <a:t>8/20/14</a:t>
+              <a:t>8/25/2014</a:t>
             </a:fld>
             <a:endParaRPr lang="en-US"/>
           </a:p>
@@ -1782,7 +1798,7 @@
           <a:p>
             <a:fld id="{6BFECD78-3C8E-49F2-8FAB-59489D168ABB}" type="datetimeFigureOut">
               <a:rPr lang="en-US" smtClean="0"/>
-              <a:t>8/20/14</a:t>
+              <a:t>8/25/2014</a:t>
             </a:fld>
             <a:endParaRPr lang="en-US"/>
           </a:p>
@@ -2204,7 +2220,7 @@
           <a:p>
             <a:fld id="{6BFECD78-3C8E-49F2-8FAB-59489D168ABB}" type="datetimeFigureOut">
               <a:rPr lang="en-US" smtClean="0"/>
-              <a:t>8/20/14</a:t>
+              <a:t>8/25/2014</a:t>
             </a:fld>
             <a:endParaRPr lang="en-US"/>
           </a:p>
@@ -2322,7 +2338,7 @@
           <a:p>
             <a:fld id="{6BFECD78-3C8E-49F2-8FAB-59489D168ABB}" type="datetimeFigureOut">
               <a:rPr lang="en-US" smtClean="0"/>
-              <a:t>8/20/14</a:t>
+              <a:t>8/25/2014</a:t>
             </a:fld>
             <a:endParaRPr lang="en-US"/>
           </a:p>
@@ -2417,7 +2433,7 @@
           <a:p>
             <a:fld id="{6BFECD78-3C8E-49F2-8FAB-59489D168ABB}" type="datetimeFigureOut">
               <a:rPr lang="en-US" smtClean="0"/>
-              <a:t>8/20/14</a:t>
+              <a:t>8/25/2014</a:t>
             </a:fld>
             <a:endParaRPr lang="en-US"/>
           </a:p>
@@ -2694,7 +2710,7 @@
           <a:p>
             <a:fld id="{6BFECD78-3C8E-49F2-8FAB-59489D168ABB}" type="datetimeFigureOut">
               <a:rPr lang="en-US" smtClean="0"/>
-              <a:t>8/20/14</a:t>
+              <a:t>8/25/2014</a:t>
             </a:fld>
             <a:endParaRPr lang="en-US"/>
           </a:p>
@@ -2951,7 +2967,7 @@
           <a:p>
             <a:fld id="{6BFECD78-3C8E-49F2-8FAB-59489D168ABB}" type="datetimeFigureOut">
               <a:rPr lang="en-US" smtClean="0"/>
-              <a:t>8/20/14</a:t>
+              <a:t>8/25/2014</a:t>
             </a:fld>
             <a:endParaRPr lang="en-US"/>
           </a:p>
@@ -3164,7 +3180,7 @@
           <a:p>
             <a:fld id="{6BFECD78-3C8E-49F2-8FAB-59489D168ABB}" type="datetimeFigureOut">
               <a:rPr lang="en-US" smtClean="0"/>
-              <a:t>8/20/14</a:t>
+              <a:t>8/25/2014</a:t>
             </a:fld>
             <a:endParaRPr lang="en-US"/>
           </a:p>
@@ -3608,8 +3624,12 @@
           </a:p>
           <a:p>
             <a:r>
+              <a:rPr lang="en-US" smtClean="0"/>
+              <a:t>Joshua </a:t>
+            </a:r>
+            <a:r>
               <a:rPr lang="en-US" dirty="0" smtClean="0"/>
-              <a:t>Josh Nugent</a:t>
+              <a:t>Nugent</a:t>
             </a:r>
           </a:p>
           <a:p>

--- a/Presentation1.pptx
+++ b/Presentation1.pptx
@@ -3628,9 +3628,10 @@
               <a:t>Joshua </a:t>
             </a:r>
             <a:r>
-              <a:rPr lang="en-US" dirty="0" smtClean="0"/>
-              <a:t>Nugent</a:t>
-            </a:r>
+              <a:rPr lang="en-US" smtClean="0"/>
+              <a:t>Nugent!!</a:t>
+            </a:r>
+            <a:endParaRPr lang="en-US" dirty="0" smtClean="0"/>
           </a:p>
           <a:p>
             <a:r>

--- a/Presentation1.pptx
+++ b/Presentation1.pptx
@@ -3625,11 +3625,7 @@
           <a:p>
             <a:r>
               <a:rPr lang="en-US" smtClean="0"/>
-              <a:t>Joshua </a:t>
-            </a:r>
-            <a:r>
-              <a:rPr lang="en-US" smtClean="0"/>
-              <a:t>Nugent!!</a:t>
+              <a:t>Joshua Nugent!!</a:t>
             </a:r>
             <a:endParaRPr lang="en-US" dirty="0" smtClean="0"/>
           </a:p>

--- a/Presentation1.pptx
+++ b/Presentation1.pptx
@@ -110,6 +110,22 @@
       </a:defRPr>
     </a:lvl9pPr>
   </p:defaultTextStyle>
+  <p:extLst>
+    <p:ext uri="{EFAFB233-063F-42B5-8137-9DF3F51BA10A}">
+      <p15:sldGuideLst xmlns:p15="http://schemas.microsoft.com/office/powerpoint/2012/main">
+        <p15:guide id="1" orient="horz" pos="2160">
+          <p15:clr>
+            <a:srgbClr val="A4A3A4"/>
+          </p15:clr>
+        </p15:guide>
+        <p15:guide id="2" pos="2880">
+          <p15:clr>
+            <a:srgbClr val="A4A3A4"/>
+          </p15:clr>
+        </p15:guide>
+      </p15:sldGuideLst>
+    </p:ext>
+  </p:extLst>
 </p:presentation>
 </file>
 
@@ -195,7 +211,7 @@
           <a:p>
             <a:fld id="{DEC486A4-B424-A34B-B151-AB10EC3EB905}" type="datetimeFigureOut">
               <a:rPr lang="en-US" smtClean="0"/>
-              <a:t>8/20/14</a:t>
+              <a:t>8/25/2014</a:t>
             </a:fld>
             <a:endParaRPr lang="en-US"/>
           </a:p>
@@ -728,7 +744,7 @@
           <a:p>
             <a:fld id="{6BFECD78-3C8E-49F2-8FAB-59489D168ABB}" type="datetimeFigureOut">
               <a:rPr lang="en-US" smtClean="0"/>
-              <a:t>8/20/14</a:t>
+              <a:t>8/25/2014</a:t>
             </a:fld>
             <a:endParaRPr lang="en-US"/>
           </a:p>
@@ -898,7 +914,7 @@
           <a:p>
             <a:fld id="{6BFECD78-3C8E-49F2-8FAB-59489D168ABB}" type="datetimeFigureOut">
               <a:rPr lang="en-US" smtClean="0"/>
-              <a:t>8/20/14</a:t>
+              <a:t>8/25/2014</a:t>
             </a:fld>
             <a:endParaRPr lang="en-US"/>
           </a:p>
@@ -1078,7 +1094,7 @@
           <a:p>
             <a:fld id="{6BFECD78-3C8E-49F2-8FAB-59489D168ABB}" type="datetimeFigureOut">
               <a:rPr lang="en-US" smtClean="0"/>
-              <a:t>8/20/14</a:t>
+              <a:t>8/25/2014</a:t>
             </a:fld>
             <a:endParaRPr lang="en-US"/>
           </a:p>
@@ -1248,7 +1264,7 @@
           <a:p>
             <a:fld id="{6BFECD78-3C8E-49F2-8FAB-59489D168ABB}" type="datetimeFigureOut">
               <a:rPr lang="en-US" smtClean="0"/>
-              <a:t>8/20/14</a:t>
+              <a:t>8/25/2014</a:t>
             </a:fld>
             <a:endParaRPr lang="en-US"/>
           </a:p>
@@ -1494,7 +1510,7 @@
           <a:p>
             <a:fld id="{6BFECD78-3C8E-49F2-8FAB-59489D168ABB}" type="datetimeFigureOut">
               <a:rPr lang="en-US" smtClean="0"/>
-              <a:t>8/20/14</a:t>
+              <a:t>8/25/2014</a:t>
             </a:fld>
             <a:endParaRPr lang="en-US"/>
           </a:p>
@@ -1782,7 +1798,7 @@
           <a:p>
             <a:fld id="{6BFECD78-3C8E-49F2-8FAB-59489D168ABB}" type="datetimeFigureOut">
               <a:rPr lang="en-US" smtClean="0"/>
-              <a:t>8/20/14</a:t>
+              <a:t>8/25/2014</a:t>
             </a:fld>
             <a:endParaRPr lang="en-US"/>
           </a:p>
@@ -2204,7 +2220,7 @@
           <a:p>
             <a:fld id="{6BFECD78-3C8E-49F2-8FAB-59489D168ABB}" type="datetimeFigureOut">
               <a:rPr lang="en-US" smtClean="0"/>
-              <a:t>8/20/14</a:t>
+              <a:t>8/25/2014</a:t>
             </a:fld>
             <a:endParaRPr lang="en-US"/>
           </a:p>
@@ -2322,7 +2338,7 @@
           <a:p>
             <a:fld id="{6BFECD78-3C8E-49F2-8FAB-59489D168ABB}" type="datetimeFigureOut">
               <a:rPr lang="en-US" smtClean="0"/>
-              <a:t>8/20/14</a:t>
+              <a:t>8/25/2014</a:t>
             </a:fld>
             <a:endParaRPr lang="en-US"/>
           </a:p>
@@ -2417,7 +2433,7 @@
           <a:p>
             <a:fld id="{6BFECD78-3C8E-49F2-8FAB-59489D168ABB}" type="datetimeFigureOut">
               <a:rPr lang="en-US" smtClean="0"/>
-              <a:t>8/20/14</a:t>
+              <a:t>8/25/2014</a:t>
             </a:fld>
             <a:endParaRPr lang="en-US"/>
           </a:p>
@@ -2694,7 +2710,7 @@
           <a:p>
             <a:fld id="{6BFECD78-3C8E-49F2-8FAB-59489D168ABB}" type="datetimeFigureOut">
               <a:rPr lang="en-US" smtClean="0"/>
-              <a:t>8/20/14</a:t>
+              <a:t>8/25/2014</a:t>
             </a:fld>
             <a:endParaRPr lang="en-US"/>
           </a:p>
@@ -2951,7 +2967,7 @@
           <a:p>
             <a:fld id="{6BFECD78-3C8E-49F2-8FAB-59489D168ABB}" type="datetimeFigureOut">
               <a:rPr lang="en-US" smtClean="0"/>
-              <a:t>8/20/14</a:t>
+              <a:t>8/25/2014</a:t>
             </a:fld>
             <a:endParaRPr lang="en-US"/>
           </a:p>
@@ -3164,7 +3180,7 @@
           <a:p>
             <a:fld id="{6BFECD78-3C8E-49F2-8FAB-59489D168ABB}" type="datetimeFigureOut">
               <a:rPr lang="en-US" smtClean="0"/>
-              <a:t>8/20/14</a:t>
+              <a:t>8/25/2014</a:t>
             </a:fld>
             <a:endParaRPr lang="en-US"/>
           </a:p>
@@ -3608,9 +3624,10 @@
           </a:p>
           <a:p>
             <a:r>
-              <a:rPr lang="en-US" dirty="0" smtClean="0"/>
-              <a:t>Josh Nugent</a:t>
-            </a:r>
+              <a:rPr lang="en-US" smtClean="0"/>
+              <a:t>Joshua Nugent!!</a:t>
+            </a:r>
+            <a:endParaRPr lang="en-US" dirty="0" smtClean="0"/>
           </a:p>
           <a:p>
             <a:r>
